--- a/Presentation.pptx
+++ b/Presentation.pptx
@@ -8,11 +8,21 @@
     <p:sldId id="256" r:id="rId2"/>
     <p:sldId id="257" r:id="rId3"/>
     <p:sldId id="263" r:id="rId4"/>
-    <p:sldId id="258" r:id="rId5"/>
-    <p:sldId id="259" r:id="rId6"/>
-    <p:sldId id="261" r:id="rId7"/>
-    <p:sldId id="260" r:id="rId8"/>
-    <p:sldId id="262" r:id="rId9"/>
+    <p:sldId id="265" r:id="rId5"/>
+    <p:sldId id="258" r:id="rId6"/>
+    <p:sldId id="269" r:id="rId7"/>
+    <p:sldId id="270" r:id="rId8"/>
+    <p:sldId id="271" r:id="rId9"/>
+    <p:sldId id="272" r:id="rId10"/>
+    <p:sldId id="273" r:id="rId11"/>
+    <p:sldId id="261" r:id="rId12"/>
+    <p:sldId id="260" r:id="rId13"/>
+    <p:sldId id="262" r:id="rId14"/>
+    <p:sldId id="264" r:id="rId15"/>
+    <p:sldId id="268" r:id="rId16"/>
+    <p:sldId id="266" r:id="rId17"/>
+    <p:sldId id="267" r:id="rId18"/>
+    <p:sldId id="274" r:id="rId19"/>
   </p:sldIdLst>
   <p:sldSz cx="12192000" cy="6858000"/>
   <p:notesSz cx="6858000" cy="9144000"/>
@@ -111,6 +121,11 @@
       </a:defRPr>
     </a:lvl9pPr>
   </p:defaultTextStyle>
+  <p:extLst>
+    <p:ext uri="{EFAFB233-063F-42B5-8137-9DF3F51BA10A}">
+      <p15:sldGuideLst xmlns:p15="http://schemas.microsoft.com/office/powerpoint/2012/main"/>
+    </p:ext>
+  </p:extLst>
 </p:presentation>
 </file>
 
@@ -300,7 +315,7 @@
           <a:p>
             <a:fld id="{4AAD347D-5ACD-4C99-B74B-A9C85AD731AF}" type="datetimeFigureOut">
               <a:rPr lang="en-US" dirty="0"/>
-              <a:t>4/28/2017</a:t>
+              <a:t>4/29/2017</a:t>
             </a:fld>
             <a:endParaRPr lang="en-US" dirty="0"/>
           </a:p>
@@ -570,7 +585,7 @@
           <a:p>
             <a:fld id="{4509A250-FF31-4206-8172-F9D3106AACB1}" type="datetimeFigureOut">
               <a:rPr lang="en-US" dirty="0"/>
-              <a:t>4/28/2017</a:t>
+              <a:t>4/29/2017</a:t>
             </a:fld>
             <a:endParaRPr lang="en-US" dirty="0"/>
           </a:p>
@@ -759,7 +774,7 @@
           <a:p>
             <a:fld id="{4509A250-FF31-4206-8172-F9D3106AACB1}" type="datetimeFigureOut">
               <a:rPr lang="en-US" dirty="0"/>
-              <a:t>4/28/2017</a:t>
+              <a:t>4/29/2017</a:t>
             </a:fld>
             <a:endParaRPr lang="en-US" dirty="0"/>
           </a:p>
@@ -1027,7 +1042,7 @@
           <a:p>
             <a:fld id="{4509A250-FF31-4206-8172-F9D3106AACB1}" type="datetimeFigureOut">
               <a:rPr lang="en-US" dirty="0"/>
-              <a:t>4/28/2017</a:t>
+              <a:t>4/29/2017</a:t>
             </a:fld>
             <a:endParaRPr lang="en-US" dirty="0"/>
           </a:p>
@@ -1363,7 +1378,7 @@
           <a:p>
             <a:fld id="{4509A250-FF31-4206-8172-F9D3106AACB1}" type="datetimeFigureOut">
               <a:rPr lang="en-US" dirty="0"/>
-              <a:t>4/28/2017</a:t>
+              <a:t>4/29/2017</a:t>
             </a:fld>
             <a:endParaRPr lang="en-US" dirty="0"/>
           </a:p>
@@ -1981,7 +1996,7 @@
           <a:p>
             <a:fld id="{4509A250-FF31-4206-8172-F9D3106AACB1}" type="datetimeFigureOut">
               <a:rPr lang="en-US" dirty="0"/>
-              <a:t>4/28/2017</a:t>
+              <a:t>4/29/2017</a:t>
             </a:fld>
             <a:endParaRPr lang="en-US" dirty="0"/>
           </a:p>
@@ -2836,7 +2851,7 @@
           <a:p>
             <a:fld id="{4509A250-FF31-4206-8172-F9D3106AACB1}" type="datetimeFigureOut">
               <a:rPr lang="en-US" dirty="0"/>
-              <a:t>4/28/2017</a:t>
+              <a:t>4/29/2017</a:t>
             </a:fld>
             <a:endParaRPr lang="en-US" dirty="0"/>
           </a:p>
@@ -3001,7 +3016,7 @@
           <a:p>
             <a:fld id="{4509A250-FF31-4206-8172-F9D3106AACB1}" type="datetimeFigureOut">
               <a:rPr lang="en-US" dirty="0"/>
-              <a:t>4/28/2017</a:t>
+              <a:t>4/29/2017</a:t>
             </a:fld>
             <a:endParaRPr lang="en-US" dirty="0"/>
           </a:p>
@@ -3176,7 +3191,7 @@
           <a:p>
             <a:fld id="{4509A250-FF31-4206-8172-F9D3106AACB1}" type="datetimeFigureOut">
               <a:rPr lang="en-US" dirty="0"/>
-              <a:t>4/28/2017</a:t>
+              <a:t>4/29/2017</a:t>
             </a:fld>
             <a:endParaRPr lang="en-US" dirty="0"/>
           </a:p>
@@ -3341,7 +3356,7 @@
           <a:p>
             <a:fld id="{4509A250-FF31-4206-8172-F9D3106AACB1}" type="datetimeFigureOut">
               <a:rPr lang="en-US" dirty="0"/>
-              <a:t>4/28/2017</a:t>
+              <a:t>4/29/2017</a:t>
             </a:fld>
             <a:endParaRPr lang="en-US" dirty="0"/>
           </a:p>
@@ -3583,7 +3598,7 @@
           <a:p>
             <a:fld id="{9796027F-7875-4030-9381-8BD8C4F21935}" type="datetimeFigureOut">
               <a:rPr lang="en-US" dirty="0"/>
-              <a:t>4/28/2017</a:t>
+              <a:t>4/29/2017</a:t>
             </a:fld>
             <a:endParaRPr lang="en-US" dirty="0"/>
           </a:p>
@@ -3870,7 +3885,7 @@
           <a:p>
             <a:fld id="{9796027F-7875-4030-9381-8BD8C4F21935}" type="datetimeFigureOut">
               <a:rPr lang="en-US" dirty="0"/>
-              <a:t>4/28/2017</a:t>
+              <a:t>4/29/2017</a:t>
             </a:fld>
             <a:endParaRPr lang="en-US" dirty="0"/>
           </a:p>
@@ -4309,7 +4324,7 @@
           <a:p>
             <a:fld id="{9796027F-7875-4030-9381-8BD8C4F21935}" type="datetimeFigureOut">
               <a:rPr lang="en-US" dirty="0"/>
-              <a:t>4/28/2017</a:t>
+              <a:t>4/29/2017</a:t>
             </a:fld>
             <a:endParaRPr lang="en-US" dirty="0"/>
           </a:p>
@@ -4422,7 +4437,7 @@
           <a:p>
             <a:fld id="{4509A250-FF31-4206-8172-F9D3106AACB1}" type="datetimeFigureOut">
               <a:rPr lang="en-US" dirty="0"/>
-              <a:t>4/28/2017</a:t>
+              <a:t>4/29/2017</a:t>
             </a:fld>
             <a:endParaRPr lang="en-US" dirty="0"/>
           </a:p>
@@ -4512,7 +4527,7 @@
           <a:p>
             <a:fld id="{4509A250-FF31-4206-8172-F9D3106AACB1}" type="datetimeFigureOut">
               <a:rPr lang="en-US" dirty="0"/>
-              <a:t>4/28/2017</a:t>
+              <a:t>4/29/2017</a:t>
             </a:fld>
             <a:endParaRPr lang="en-US" dirty="0"/>
           </a:p>
@@ -4786,7 +4801,7 @@
           <a:p>
             <a:fld id="{4509A250-FF31-4206-8172-F9D3106AACB1}" type="datetimeFigureOut">
               <a:rPr lang="en-US" dirty="0"/>
-              <a:t>4/28/2017</a:t>
+              <a:t>4/29/2017</a:t>
             </a:fld>
             <a:endParaRPr lang="en-US" dirty="0"/>
           </a:p>
@@ -5056,7 +5071,7 @@
           <a:p>
             <a:fld id="{4509A250-FF31-4206-8172-F9D3106AACB1}" type="datetimeFigureOut">
               <a:rPr lang="en-US" dirty="0"/>
-              <a:t>4/28/2017</a:t>
+              <a:t>4/29/2017</a:t>
             </a:fld>
             <a:endParaRPr lang="en-US" dirty="0"/>
           </a:p>
@@ -5480,7 +5495,7 @@
           <a:p>
             <a:fld id="{4AAD347D-5ACD-4C99-B74B-A9C85AD731AF}" type="datetimeFigureOut">
               <a:rPr lang="en-US" dirty="0"/>
-              <a:t>4/28/2017</a:t>
+              <a:t>4/29/2017</a:t>
             </a:fld>
             <a:endParaRPr lang="en-US" dirty="0"/>
           </a:p>
@@ -6103,6 +6118,929 @@
 </p:sld>
 </file>
 
+<file path=ppt/slides/slide10.xml><?xml version="1.0" encoding="utf-8"?>
+<p:sld xmlns:a="http://schemas.openxmlformats.org/drawingml/2006/main" xmlns:r="http://schemas.openxmlformats.org/officeDocument/2006/relationships" xmlns:p="http://schemas.openxmlformats.org/presentationml/2006/main">
+  <p:cSld>
+    <p:spTree>
+      <p:nvGrpSpPr>
+        <p:cNvPr id="1" name=""/>
+        <p:cNvGrpSpPr/>
+        <p:nvPr/>
+      </p:nvGrpSpPr>
+      <p:grpSpPr>
+        <a:xfrm>
+          <a:off x="0" y="0"/>
+          <a:ext cx="0" cy="0"/>
+          <a:chOff x="0" y="0"/>
+          <a:chExt cx="0" cy="0"/>
+        </a:xfrm>
+      </p:grpSpPr>
+      <p:sp>
+        <p:nvSpPr>
+          <p:cNvPr id="2" name="Title 1"/>
+          <p:cNvSpPr>
+            <a:spLocks noGrp="1"/>
+          </p:cNvSpPr>
+          <p:nvPr>
+            <p:ph type="title"/>
+          </p:nvPr>
+        </p:nvSpPr>
+        <p:spPr>
+          <a:xfrm>
+            <a:off x="646111" y="452718"/>
+            <a:ext cx="9404723" cy="925321"/>
+          </a:xfrm>
+        </p:spPr>
+        <p:txBody>
+          <a:bodyPr/>
+          <a:lstStyle/>
+          <a:p>
+            <a:r>
+              <a:rPr lang="en-US" dirty="0"/>
+              <a:t>Output</a:t>
+            </a:r>
+          </a:p>
+        </p:txBody>
+      </p:sp>
+      <p:pic>
+        <p:nvPicPr>
+          <p:cNvPr id="6" name="Content Placeholder 5"/>
+          <p:cNvPicPr>
+            <a:picLocks noGrp="1" noChangeAspect="1"/>
+          </p:cNvPicPr>
+          <p:nvPr>
+            <p:ph idx="1"/>
+          </p:nvPr>
+        </p:nvPicPr>
+        <p:blipFill>
+          <a:blip r:embed="rId2"/>
+          <a:stretch>
+            <a:fillRect/>
+          </a:stretch>
+        </p:blipFill>
+        <p:spPr>
+          <a:xfrm>
+            <a:off x="2590800" y="2917031"/>
+            <a:ext cx="5972175" cy="2466975"/>
+          </a:xfrm>
+          <a:prstGeom prst="rect">
+            <a:avLst/>
+          </a:prstGeom>
+        </p:spPr>
+      </p:pic>
+    </p:spTree>
+    <p:extLst>
+      <p:ext uri="{BB962C8B-B14F-4D97-AF65-F5344CB8AC3E}">
+        <p14:creationId xmlns:p14="http://schemas.microsoft.com/office/powerpoint/2010/main" val="3035465008"/>
+      </p:ext>
+    </p:extLst>
+  </p:cSld>
+  <p:clrMapOvr>
+    <a:masterClrMapping/>
+  </p:clrMapOvr>
+</p:sld>
+</file>
+
+<file path=ppt/slides/slide11.xml><?xml version="1.0" encoding="utf-8"?>
+<p:sld xmlns:a="http://schemas.openxmlformats.org/drawingml/2006/main" xmlns:r="http://schemas.openxmlformats.org/officeDocument/2006/relationships" xmlns:p="http://schemas.openxmlformats.org/presentationml/2006/main">
+  <p:cSld>
+    <p:spTree>
+      <p:nvGrpSpPr>
+        <p:cNvPr id="1" name=""/>
+        <p:cNvGrpSpPr/>
+        <p:nvPr/>
+      </p:nvGrpSpPr>
+      <p:grpSpPr>
+        <a:xfrm>
+          <a:off x="0" y="0"/>
+          <a:ext cx="0" cy="0"/>
+          <a:chOff x="0" y="0"/>
+          <a:chExt cx="0" cy="0"/>
+        </a:xfrm>
+      </p:grpSpPr>
+      <p:sp>
+        <p:nvSpPr>
+          <p:cNvPr id="3" name="Content Placeholder 2"/>
+          <p:cNvSpPr>
+            <a:spLocks noGrp="1"/>
+          </p:cNvSpPr>
+          <p:nvPr>
+            <p:ph idx="1"/>
+          </p:nvPr>
+        </p:nvSpPr>
+        <p:spPr>
+          <a:xfrm>
+            <a:off x="553792" y="452718"/>
+            <a:ext cx="9496061" cy="5795681"/>
+          </a:xfrm>
+        </p:spPr>
+        <p:txBody>
+          <a:bodyPr>
+            <a:normAutofit/>
+          </a:bodyPr>
+          <a:lstStyle/>
+          <a:p>
+            <a:pPr>
+              <a:lnSpc>
+                <a:spcPct val="200000"/>
+              </a:lnSpc>
+            </a:pPr>
+            <a:r>
+              <a:rPr lang="en-US" dirty="0"/>
+              <a:t>The paper presented involves an end to end framework for task completion neural dialogue systems.</a:t>
+            </a:r>
+          </a:p>
+          <a:p>
+            <a:pPr marL="0" indent="0">
+              <a:lnSpc>
+                <a:spcPct val="200000"/>
+              </a:lnSpc>
+              <a:buNone/>
+            </a:pPr>
+            <a:r>
+              <a:rPr lang="en-US" b="1" dirty="0"/>
+              <a:t>Challenges:</a:t>
+            </a:r>
+          </a:p>
+          <a:p>
+            <a:pPr>
+              <a:lnSpc>
+                <a:spcPct val="200000"/>
+              </a:lnSpc>
+            </a:pPr>
+            <a:r>
+              <a:rPr lang="en-US" dirty="0"/>
+              <a:t>Only Python 2.7 compatible.</a:t>
+            </a:r>
+          </a:p>
+          <a:p>
+            <a:pPr>
+              <a:lnSpc>
+                <a:spcPct val="200000"/>
+              </a:lnSpc>
+            </a:pPr>
+            <a:r>
+              <a:rPr lang="en-US" dirty="0"/>
+              <a:t>There is no framework. It is written in pure Python.</a:t>
+            </a:r>
+          </a:p>
+          <a:p>
+            <a:pPr>
+              <a:lnSpc>
+                <a:spcPct val="200000"/>
+              </a:lnSpc>
+            </a:pPr>
+            <a:r>
+              <a:rPr lang="en-US" dirty="0"/>
+              <a:t>Not trained on large dataset.</a:t>
+            </a:r>
+          </a:p>
+          <a:p>
+            <a:pPr>
+              <a:lnSpc>
+                <a:spcPct val="200000"/>
+              </a:lnSpc>
+            </a:pPr>
+            <a:r>
+              <a:rPr lang="en-US" dirty="0"/>
+              <a:t>It is very specific to the dataset it is trained on.</a:t>
+            </a:r>
+          </a:p>
+        </p:txBody>
+      </p:sp>
+    </p:spTree>
+    <p:extLst>
+      <p:ext uri="{BB962C8B-B14F-4D97-AF65-F5344CB8AC3E}">
+        <p14:creationId xmlns:p14="http://schemas.microsoft.com/office/powerpoint/2010/main" val="416189476"/>
+      </p:ext>
+    </p:extLst>
+  </p:cSld>
+  <p:clrMapOvr>
+    <a:masterClrMapping/>
+  </p:clrMapOvr>
+</p:sld>
+</file>
+
+<file path=ppt/slides/slide12.xml><?xml version="1.0" encoding="utf-8"?>
+<p:sld xmlns:a="http://schemas.openxmlformats.org/drawingml/2006/main" xmlns:r="http://schemas.openxmlformats.org/officeDocument/2006/relationships" xmlns:p="http://schemas.openxmlformats.org/presentationml/2006/main">
+  <p:cSld>
+    <p:spTree>
+      <p:nvGrpSpPr>
+        <p:cNvPr id="1" name=""/>
+        <p:cNvGrpSpPr/>
+        <p:nvPr/>
+      </p:nvGrpSpPr>
+      <p:grpSpPr>
+        <a:xfrm>
+          <a:off x="0" y="0"/>
+          <a:ext cx="0" cy="0"/>
+          <a:chOff x="0" y="0"/>
+          <a:chExt cx="0" cy="0"/>
+        </a:xfrm>
+      </p:grpSpPr>
+      <p:sp>
+        <p:nvSpPr>
+          <p:cNvPr id="9" name="Rectangle 8"/>
+          <p:cNvSpPr>
+            <a:spLocks noGrp="1" noRot="1" noChangeAspect="1" noMove="1" noResize="1" noEditPoints="1" noAdjustHandles="1" noChangeArrowheads="1" noChangeShapeType="1" noTextEdit="1"/>
+          </p:cNvSpPr>
+          <p:nvPr>
+            <p:extLst>
+              <p:ext uri="{386F3935-93C4-4BCD-93E2-E3B085C9AB24}">
+                <p16:designElem xmlns:p16="http://schemas.microsoft.com/office/powerpoint/2015/main" val="1"/>
+              </p:ext>
+            </p:extLst>
+          </p:nvPr>
+        </p:nvSpPr>
+        <p:spPr>
+          <a:xfrm>
+            <a:off x="10437812" y="0"/>
+            <a:ext cx="685800" cy="1143000"/>
+          </a:xfrm>
+          <a:prstGeom prst="rect">
+            <a:avLst/>
+          </a:prstGeom>
+          <a:solidFill>
+            <a:schemeClr val="accent1"/>
+          </a:solidFill>
+          <a:ln>
+            <a:noFill/>
+          </a:ln>
+        </p:spPr>
+        <p:style>
+          <a:lnRef idx="1">
+            <a:schemeClr val="accent1"/>
+          </a:lnRef>
+          <a:fillRef idx="3">
+            <a:schemeClr val="accent1"/>
+          </a:fillRef>
+          <a:effectRef idx="2">
+            <a:schemeClr val="accent1"/>
+          </a:effectRef>
+          <a:fontRef idx="minor">
+            <a:schemeClr val="lt1"/>
+          </a:fontRef>
+        </p:style>
+      </p:sp>
+      <p:sp>
+        <p:nvSpPr>
+          <p:cNvPr id="2" name="Title 1"/>
+          <p:cNvSpPr>
+            <a:spLocks noGrp="1"/>
+          </p:cNvSpPr>
+          <p:nvPr>
+            <p:ph type="title"/>
+          </p:nvPr>
+        </p:nvSpPr>
+        <p:spPr>
+          <a:xfrm>
+            <a:off x="622169" y="1762811"/>
+            <a:ext cx="3000610" cy="3844931"/>
+          </a:xfrm>
+        </p:spPr>
+        <p:txBody>
+          <a:bodyPr>
+            <a:normAutofit/>
+          </a:bodyPr>
+          <a:lstStyle/>
+          <a:p>
+            <a:pPr>
+              <a:lnSpc>
+                <a:spcPct val="150000"/>
+              </a:lnSpc>
+            </a:pPr>
+            <a:r>
+              <a:rPr lang="en-US" sz="2900" dirty="0"/>
+              <a:t>Learning </a:t>
+            </a:r>
+            <a:br>
+              <a:rPr lang="en-US" sz="2900" dirty="0"/>
+            </a:br>
+            <a:r>
+              <a:rPr lang="en-US" sz="2900" dirty="0"/>
+              <a:t>End-To-End </a:t>
+            </a:r>
+            <a:br>
+              <a:rPr lang="en-US" sz="2900" dirty="0"/>
+            </a:br>
+            <a:r>
+              <a:rPr lang="en-US" sz="2900" dirty="0"/>
+              <a:t>Goal-Oriented Dialog</a:t>
+            </a:r>
+          </a:p>
+        </p:txBody>
+      </p:sp>
+      <p:pic>
+        <p:nvPicPr>
+          <p:cNvPr id="4" name="Picture 3"/>
+          <p:cNvPicPr>
+            <a:picLocks noChangeAspect="1"/>
+          </p:cNvPicPr>
+          <p:nvPr/>
+        </p:nvPicPr>
+        <p:blipFill rotWithShape="1">
+          <a:blip r:embed="rId2"/>
+          <a:srcRect r="-2" b="4006"/>
+          <a:stretch/>
+        </p:blipFill>
+        <p:spPr>
+          <a:xfrm>
+            <a:off x="3817855" y="73986"/>
+            <a:ext cx="8298729" cy="6730496"/>
+          </a:xfrm>
+          <a:prstGeom prst="rect">
+            <a:avLst/>
+          </a:prstGeom>
+        </p:spPr>
+      </p:pic>
+    </p:spTree>
+    <p:extLst>
+      <p:ext uri="{BB962C8B-B14F-4D97-AF65-F5344CB8AC3E}">
+        <p14:creationId xmlns:p14="http://schemas.microsoft.com/office/powerpoint/2010/main" val="3269184702"/>
+      </p:ext>
+    </p:extLst>
+  </p:cSld>
+  <p:clrMapOvr>
+    <a:masterClrMapping/>
+  </p:clrMapOvr>
+</p:sld>
+</file>
+
+<file path=ppt/slides/slide13.xml><?xml version="1.0" encoding="utf-8"?>
+<p:sld xmlns:a="http://schemas.openxmlformats.org/drawingml/2006/main" xmlns:r="http://schemas.openxmlformats.org/officeDocument/2006/relationships" xmlns:p="http://schemas.openxmlformats.org/presentationml/2006/main">
+  <p:cSld>
+    <p:spTree>
+      <p:nvGrpSpPr>
+        <p:cNvPr id="1" name=""/>
+        <p:cNvGrpSpPr/>
+        <p:nvPr/>
+      </p:nvGrpSpPr>
+      <p:grpSpPr>
+        <a:xfrm>
+          <a:off x="0" y="0"/>
+          <a:ext cx="0" cy="0"/>
+          <a:chOff x="0" y="0"/>
+          <a:chExt cx="0" cy="0"/>
+        </a:xfrm>
+      </p:grpSpPr>
+      <p:sp>
+        <p:nvSpPr>
+          <p:cNvPr id="2" name="Title 1"/>
+          <p:cNvSpPr>
+            <a:spLocks noGrp="1"/>
+          </p:cNvSpPr>
+          <p:nvPr>
+            <p:ph type="title"/>
+          </p:nvPr>
+        </p:nvSpPr>
+        <p:spPr/>
+        <p:txBody>
+          <a:bodyPr/>
+          <a:lstStyle/>
+          <a:p>
+            <a:r>
+              <a:rPr lang="en-US" dirty="0"/>
+              <a:t>Dataset</a:t>
+            </a:r>
+          </a:p>
+        </p:txBody>
+      </p:sp>
+      <p:sp>
+        <p:nvSpPr>
+          <p:cNvPr id="3" name="Content Placeholder 2"/>
+          <p:cNvSpPr>
+            <a:spLocks noGrp="1"/>
+          </p:cNvSpPr>
+          <p:nvPr>
+            <p:ph idx="1"/>
+          </p:nvPr>
+        </p:nvSpPr>
+        <p:spPr>
+          <a:xfrm>
+            <a:off x="1103312" y="1649692"/>
+            <a:ext cx="8946541" cy="4598708"/>
+          </a:xfrm>
+        </p:spPr>
+        <p:txBody>
+          <a:bodyPr/>
+          <a:lstStyle/>
+          <a:p>
+            <a:pPr>
+              <a:lnSpc>
+                <a:spcPct val="150000"/>
+              </a:lnSpc>
+            </a:pPr>
+            <a:r>
+              <a:rPr lang="en-US" dirty="0"/>
+              <a:t>(6) dialog bAbI tasks</a:t>
+            </a:r>
+          </a:p>
+          <a:p>
+            <a:pPr>
+              <a:lnSpc>
+                <a:spcPct val="150000"/>
+              </a:lnSpc>
+            </a:pPr>
+            <a:r>
+              <a:rPr lang="en-US" dirty="0"/>
+              <a:t>It is a set of 6 tasks for testing end-to-end dialog systems in the restaurant domain</a:t>
+            </a:r>
+          </a:p>
+          <a:p>
+            <a:pPr>
+              <a:lnSpc>
+                <a:spcPct val="150000"/>
+              </a:lnSpc>
+            </a:pPr>
+            <a:r>
+              <a:rPr lang="en-US" dirty="0"/>
+              <a:t>Each task tests a unique aspect of dialog.</a:t>
+            </a:r>
+          </a:p>
+          <a:p>
+            <a:pPr>
+              <a:lnSpc>
+                <a:spcPct val="150000"/>
+              </a:lnSpc>
+            </a:pPr>
+            <a:r>
+              <a:rPr lang="en-US" dirty="0"/>
+              <a:t>For each task, there are 1000 dialogs for training, 1000 for development and 1000 for testing</a:t>
+            </a:r>
+          </a:p>
+          <a:p>
+            <a:endParaRPr lang="en-US" dirty="0"/>
+          </a:p>
+          <a:p>
+            <a:endParaRPr lang="en-US" dirty="0"/>
+          </a:p>
+        </p:txBody>
+      </p:sp>
+    </p:spTree>
+    <p:extLst>
+      <p:ext uri="{BB962C8B-B14F-4D97-AF65-F5344CB8AC3E}">
+        <p14:creationId xmlns:p14="http://schemas.microsoft.com/office/powerpoint/2010/main" val="2929525154"/>
+      </p:ext>
+    </p:extLst>
+  </p:cSld>
+  <p:clrMapOvr>
+    <a:masterClrMapping/>
+  </p:clrMapOvr>
+</p:sld>
+</file>
+
+<file path=ppt/slides/slide14.xml><?xml version="1.0" encoding="utf-8"?>
+<p:sld xmlns:a="http://schemas.openxmlformats.org/drawingml/2006/main" xmlns:r="http://schemas.openxmlformats.org/officeDocument/2006/relationships" xmlns:p="http://schemas.openxmlformats.org/presentationml/2006/main">
+  <p:cSld>
+    <p:spTree>
+      <p:nvGrpSpPr>
+        <p:cNvPr id="1" name=""/>
+        <p:cNvGrpSpPr/>
+        <p:nvPr/>
+      </p:nvGrpSpPr>
+      <p:grpSpPr>
+        <a:xfrm>
+          <a:off x="0" y="0"/>
+          <a:ext cx="0" cy="0"/>
+          <a:chOff x="0" y="0"/>
+          <a:chExt cx="0" cy="0"/>
+        </a:xfrm>
+      </p:grpSpPr>
+      <p:sp>
+        <p:nvSpPr>
+          <p:cNvPr id="2" name="Title 1"/>
+          <p:cNvSpPr>
+            <a:spLocks noGrp="1"/>
+          </p:cNvSpPr>
+          <p:nvPr>
+            <p:ph type="title"/>
+          </p:nvPr>
+        </p:nvSpPr>
+        <p:spPr/>
+        <p:txBody>
+          <a:bodyPr/>
+          <a:lstStyle/>
+          <a:p>
+            <a:r>
+              <a:rPr lang="en-US" dirty="0"/>
+              <a:t>Keras RNN on Frames Dataset</a:t>
+            </a:r>
+          </a:p>
+        </p:txBody>
+      </p:sp>
+      <p:sp>
+        <p:nvSpPr>
+          <p:cNvPr id="3" name="Content Placeholder 2"/>
+          <p:cNvSpPr>
+            <a:spLocks noGrp="1"/>
+          </p:cNvSpPr>
+          <p:nvPr>
+            <p:ph idx="1"/>
+          </p:nvPr>
+        </p:nvSpPr>
+        <p:spPr>
+          <a:xfrm>
+            <a:off x="646112" y="1635618"/>
+            <a:ext cx="9403742" cy="4612782"/>
+          </a:xfrm>
+        </p:spPr>
+        <p:txBody>
+          <a:bodyPr/>
+          <a:lstStyle/>
+          <a:p>
+            <a:r>
+              <a:rPr lang="en-US" dirty="0"/>
+              <a:t>Frames dataset is built to improve the research on conversational agents that can support decision making or to accomplish a particular task.</a:t>
+            </a:r>
+          </a:p>
+          <a:p>
+            <a:endParaRPr lang="en-US" dirty="0"/>
+          </a:p>
+        </p:txBody>
+      </p:sp>
+    </p:spTree>
+    <p:extLst>
+      <p:ext uri="{BB962C8B-B14F-4D97-AF65-F5344CB8AC3E}">
+        <p14:creationId xmlns:p14="http://schemas.microsoft.com/office/powerpoint/2010/main" val="3006159252"/>
+      </p:ext>
+    </p:extLst>
+  </p:cSld>
+  <p:clrMapOvr>
+    <a:masterClrMapping/>
+  </p:clrMapOvr>
+</p:sld>
+</file>
+
+<file path=ppt/slides/slide15.xml><?xml version="1.0" encoding="utf-8"?>
+<p:sld xmlns:a="http://schemas.openxmlformats.org/drawingml/2006/main" xmlns:r="http://schemas.openxmlformats.org/officeDocument/2006/relationships" xmlns:p="http://schemas.openxmlformats.org/presentationml/2006/main">
+  <p:cSld>
+    <p:spTree>
+      <p:nvGrpSpPr>
+        <p:cNvPr id="1" name=""/>
+        <p:cNvGrpSpPr/>
+        <p:nvPr/>
+      </p:nvGrpSpPr>
+      <p:grpSpPr>
+        <a:xfrm>
+          <a:off x="0" y="0"/>
+          <a:ext cx="0" cy="0"/>
+          <a:chOff x="0" y="0"/>
+          <a:chExt cx="0" cy="0"/>
+        </a:xfrm>
+      </p:grpSpPr>
+      <p:sp>
+        <p:nvSpPr>
+          <p:cNvPr id="2" name="Title 1"/>
+          <p:cNvSpPr>
+            <a:spLocks noGrp="1"/>
+          </p:cNvSpPr>
+          <p:nvPr>
+            <p:ph type="title"/>
+          </p:nvPr>
+        </p:nvSpPr>
+        <p:spPr/>
+        <p:txBody>
+          <a:bodyPr/>
+          <a:lstStyle/>
+          <a:p>
+            <a:r>
+              <a:rPr lang="en-US" dirty="0"/>
+              <a:t>Dataset</a:t>
+            </a:r>
+          </a:p>
+        </p:txBody>
+      </p:sp>
+      <p:pic>
+        <p:nvPicPr>
+          <p:cNvPr id="4" name="Picture 3"/>
+          <p:cNvPicPr>
+            <a:picLocks noChangeAspect="1"/>
+          </p:cNvPicPr>
+          <p:nvPr/>
+        </p:nvPicPr>
+        <p:blipFill>
+          <a:blip r:embed="rId2"/>
+          <a:stretch>
+            <a:fillRect/>
+          </a:stretch>
+        </p:blipFill>
+        <p:spPr>
+          <a:xfrm>
+            <a:off x="134234" y="1601034"/>
+            <a:ext cx="11972925" cy="4410075"/>
+          </a:xfrm>
+          <a:prstGeom prst="rect">
+            <a:avLst/>
+          </a:prstGeom>
+        </p:spPr>
+      </p:pic>
+    </p:spTree>
+    <p:extLst>
+      <p:ext uri="{BB962C8B-B14F-4D97-AF65-F5344CB8AC3E}">
+        <p14:creationId xmlns:p14="http://schemas.microsoft.com/office/powerpoint/2010/main" val="922025010"/>
+      </p:ext>
+    </p:extLst>
+  </p:cSld>
+  <p:clrMapOvr>
+    <a:masterClrMapping/>
+  </p:clrMapOvr>
+</p:sld>
+</file>
+
+<file path=ppt/slides/slide16.xml><?xml version="1.0" encoding="utf-8"?>
+<p:sld xmlns:a="http://schemas.openxmlformats.org/drawingml/2006/main" xmlns:r="http://schemas.openxmlformats.org/officeDocument/2006/relationships" xmlns:p="http://schemas.openxmlformats.org/presentationml/2006/main">
+  <p:cSld>
+    <p:spTree>
+      <p:nvGrpSpPr>
+        <p:cNvPr id="1" name=""/>
+        <p:cNvGrpSpPr/>
+        <p:nvPr/>
+      </p:nvGrpSpPr>
+      <p:grpSpPr>
+        <a:xfrm>
+          <a:off x="0" y="0"/>
+          <a:ext cx="0" cy="0"/>
+          <a:chOff x="0" y="0"/>
+          <a:chExt cx="0" cy="0"/>
+        </a:xfrm>
+      </p:grpSpPr>
+      <p:pic>
+        <p:nvPicPr>
+          <p:cNvPr id="4" name="Picture 3"/>
+          <p:cNvPicPr>
+            <a:picLocks noChangeAspect="1"/>
+          </p:cNvPicPr>
+          <p:nvPr/>
+        </p:nvPicPr>
+        <p:blipFill>
+          <a:blip r:embed="rId2"/>
+          <a:stretch>
+            <a:fillRect/>
+          </a:stretch>
+        </p:blipFill>
+        <p:spPr>
+          <a:xfrm>
+            <a:off x="480766" y="2071772"/>
+            <a:ext cx="10860395" cy="3273226"/>
+          </a:xfrm>
+          <a:prstGeom prst="rect">
+            <a:avLst/>
+          </a:prstGeom>
+        </p:spPr>
+      </p:pic>
+      <p:sp>
+        <p:nvSpPr>
+          <p:cNvPr id="5" name="Title 1"/>
+          <p:cNvSpPr txBox="1">
+            <a:spLocks/>
+          </p:cNvSpPr>
+          <p:nvPr/>
+        </p:nvSpPr>
+        <p:spPr>
+          <a:xfrm>
+            <a:off x="798511" y="605118"/>
+            <a:ext cx="9404723" cy="949750"/>
+          </a:xfrm>
+          <a:prstGeom prst="rect">
+            <a:avLst/>
+          </a:prstGeom>
+        </p:spPr>
+        <p:txBody>
+          <a:bodyPr vert="horz" lIns="91440" tIns="45720" rIns="91440" bIns="45720" rtlCol="0" anchor="t">
+            <a:noAutofit/>
+          </a:bodyPr>
+          <a:lstStyle>
+            <a:lvl1pPr algn="l" defTabSz="457200" rtl="0" eaLnBrk="1" latinLnBrk="0" hangingPunct="1">
+              <a:spcBef>
+                <a:spcPct val="0"/>
+              </a:spcBef>
+              <a:buNone/>
+              <a:defRPr sz="4200" b="0" i="0" kern="1200">
+                <a:solidFill>
+                  <a:schemeClr val="tx2"/>
+                </a:solidFill>
+                <a:latin typeface="+mj-lt"/>
+                <a:ea typeface="+mj-ea"/>
+                <a:cs typeface="+mj-cs"/>
+              </a:defRPr>
+            </a:lvl1pPr>
+            <a:lvl2pPr eaLnBrk="1" hangingPunct="1">
+              <a:defRPr>
+                <a:solidFill>
+                  <a:schemeClr val="tx2"/>
+                </a:solidFill>
+              </a:defRPr>
+            </a:lvl2pPr>
+            <a:lvl3pPr eaLnBrk="1" hangingPunct="1">
+              <a:defRPr>
+                <a:solidFill>
+                  <a:schemeClr val="tx2"/>
+                </a:solidFill>
+              </a:defRPr>
+            </a:lvl3pPr>
+            <a:lvl4pPr eaLnBrk="1" hangingPunct="1">
+              <a:defRPr>
+                <a:solidFill>
+                  <a:schemeClr val="tx2"/>
+                </a:solidFill>
+              </a:defRPr>
+            </a:lvl4pPr>
+            <a:lvl5pPr eaLnBrk="1" hangingPunct="1">
+              <a:defRPr>
+                <a:solidFill>
+                  <a:schemeClr val="tx2"/>
+                </a:solidFill>
+              </a:defRPr>
+            </a:lvl5pPr>
+            <a:lvl6pPr eaLnBrk="1" hangingPunct="1">
+              <a:defRPr>
+                <a:solidFill>
+                  <a:schemeClr val="tx2"/>
+                </a:solidFill>
+              </a:defRPr>
+            </a:lvl6pPr>
+            <a:lvl7pPr eaLnBrk="1" hangingPunct="1">
+              <a:defRPr>
+                <a:solidFill>
+                  <a:schemeClr val="tx2"/>
+                </a:solidFill>
+              </a:defRPr>
+            </a:lvl7pPr>
+            <a:lvl8pPr eaLnBrk="1" hangingPunct="1">
+              <a:defRPr>
+                <a:solidFill>
+                  <a:schemeClr val="tx2"/>
+                </a:solidFill>
+              </a:defRPr>
+            </a:lvl8pPr>
+            <a:lvl9pPr eaLnBrk="1" hangingPunct="1">
+              <a:defRPr>
+                <a:solidFill>
+                  <a:schemeClr val="tx2"/>
+                </a:solidFill>
+              </a:defRPr>
+            </a:lvl9pPr>
+          </a:lstStyle>
+          <a:p>
+            <a:r>
+              <a:rPr lang="en-US"/>
+              <a:t>Training</a:t>
+            </a:r>
+            <a:endParaRPr lang="en-US" dirty="0"/>
+          </a:p>
+        </p:txBody>
+      </p:sp>
+    </p:spTree>
+    <p:extLst>
+      <p:ext uri="{BB962C8B-B14F-4D97-AF65-F5344CB8AC3E}">
+        <p14:creationId xmlns:p14="http://schemas.microsoft.com/office/powerpoint/2010/main" val="342366168"/>
+      </p:ext>
+    </p:extLst>
+  </p:cSld>
+  <p:clrMapOvr>
+    <a:masterClrMapping/>
+  </p:clrMapOvr>
+</p:sld>
+</file>
+
+<file path=ppt/slides/slide17.xml><?xml version="1.0" encoding="utf-8"?>
+<p:sld xmlns:a="http://schemas.openxmlformats.org/drawingml/2006/main" xmlns:r="http://schemas.openxmlformats.org/officeDocument/2006/relationships" xmlns:p="http://schemas.openxmlformats.org/presentationml/2006/main">
+  <p:cSld>
+    <p:spTree>
+      <p:nvGrpSpPr>
+        <p:cNvPr id="1" name=""/>
+        <p:cNvGrpSpPr/>
+        <p:nvPr/>
+      </p:nvGrpSpPr>
+      <p:grpSpPr>
+        <a:xfrm>
+          <a:off x="0" y="0"/>
+          <a:ext cx="0" cy="0"/>
+          <a:chOff x="0" y="0"/>
+          <a:chExt cx="0" cy="0"/>
+        </a:xfrm>
+      </p:grpSpPr>
+      <p:sp>
+        <p:nvSpPr>
+          <p:cNvPr id="2" name="Title 1"/>
+          <p:cNvSpPr>
+            <a:spLocks noGrp="1"/>
+          </p:cNvSpPr>
+          <p:nvPr>
+            <p:ph type="title"/>
+          </p:nvPr>
+        </p:nvSpPr>
+        <p:spPr>
+          <a:xfrm>
+            <a:off x="646111" y="452718"/>
+            <a:ext cx="9404723" cy="1400530"/>
+          </a:xfrm>
+        </p:spPr>
+        <p:txBody>
+          <a:bodyPr/>
+          <a:lstStyle/>
+          <a:p>
+            <a:r>
+              <a:rPr lang="en-US" dirty="0"/>
+              <a:t>Chat</a:t>
+            </a:r>
+          </a:p>
+        </p:txBody>
+      </p:sp>
+      <p:pic>
+        <p:nvPicPr>
+          <p:cNvPr id="5" name="Picture 4"/>
+          <p:cNvPicPr>
+            <a:picLocks noChangeAspect="1"/>
+          </p:cNvPicPr>
+          <p:nvPr/>
+        </p:nvPicPr>
+        <p:blipFill>
+          <a:blip r:embed="rId2"/>
+          <a:stretch>
+            <a:fillRect/>
+          </a:stretch>
+        </p:blipFill>
+        <p:spPr>
+          <a:xfrm>
+            <a:off x="174770" y="1740126"/>
+            <a:ext cx="11779946" cy="3463470"/>
+          </a:xfrm>
+          <a:prstGeom prst="rect">
+            <a:avLst/>
+          </a:prstGeom>
+        </p:spPr>
+      </p:pic>
+    </p:spTree>
+    <p:extLst>
+      <p:ext uri="{BB962C8B-B14F-4D97-AF65-F5344CB8AC3E}">
+        <p14:creationId xmlns:p14="http://schemas.microsoft.com/office/powerpoint/2010/main" val="4120240330"/>
+      </p:ext>
+    </p:extLst>
+  </p:cSld>
+  <p:clrMapOvr>
+    <a:masterClrMapping/>
+  </p:clrMapOvr>
+</p:sld>
+</file>
+
+<file path=ppt/slides/slide18.xml><?xml version="1.0" encoding="utf-8"?>
+<p:sld xmlns:a="http://schemas.openxmlformats.org/drawingml/2006/main" xmlns:r="http://schemas.openxmlformats.org/officeDocument/2006/relationships" xmlns:p="http://schemas.openxmlformats.org/presentationml/2006/main">
+  <p:cSld>
+    <p:spTree>
+      <p:nvGrpSpPr>
+        <p:cNvPr id="1" name=""/>
+        <p:cNvGrpSpPr/>
+        <p:nvPr/>
+      </p:nvGrpSpPr>
+      <p:grpSpPr>
+        <a:xfrm>
+          <a:off x="0" y="0"/>
+          <a:ext cx="0" cy="0"/>
+          <a:chOff x="0" y="0"/>
+          <a:chExt cx="0" cy="0"/>
+        </a:xfrm>
+      </p:grpSpPr>
+      <p:sp>
+        <p:nvSpPr>
+          <p:cNvPr id="2" name="Title 1"/>
+          <p:cNvSpPr>
+            <a:spLocks noGrp="1"/>
+          </p:cNvSpPr>
+          <p:nvPr>
+            <p:ph type="title"/>
+          </p:nvPr>
+        </p:nvSpPr>
+        <p:spPr>
+          <a:xfrm>
+            <a:off x="4171735" y="2818614"/>
+            <a:ext cx="3435695" cy="1193372"/>
+          </a:xfrm>
+        </p:spPr>
+        <p:txBody>
+          <a:bodyPr/>
+          <a:lstStyle/>
+          <a:p>
+            <a:r>
+              <a:rPr lang="en-US" dirty="0"/>
+              <a:t>Thank you!</a:t>
+            </a:r>
+          </a:p>
+        </p:txBody>
+      </p:sp>
+    </p:spTree>
+    <p:extLst>
+      <p:ext uri="{BB962C8B-B14F-4D97-AF65-F5344CB8AC3E}">
+        <p14:creationId xmlns:p14="http://schemas.microsoft.com/office/powerpoint/2010/main" val="1588838720"/>
+      </p:ext>
+    </p:extLst>
+  </p:cSld>
+  <p:clrMapOvr>
+    <a:masterClrMapping/>
+  </p:clrMapOvr>
+</p:sld>
+</file>
+
 <file path=ppt/slides/slide2.xml><?xml version="1.0" encoding="utf-8"?>
 <p:sld xmlns:a="http://schemas.openxmlformats.org/drawingml/2006/main" xmlns:r="http://schemas.openxmlformats.org/officeDocument/2006/relationships" xmlns:p="http://schemas.openxmlformats.org/presentationml/2006/main">
   <p:cSld>
@@ -6137,7 +7075,7 @@
           <a:p>
             <a:r>
               <a:rPr lang="en-US" dirty="0"/>
-              <a:t>What are Goal-Oriented Dialogue Systems?</a:t>
+              <a:t>Introduction</a:t>
             </a:r>
           </a:p>
         </p:txBody>
@@ -6154,8 +7092,69 @@
         </p:nvSpPr>
         <p:spPr/>
         <p:txBody>
-          <a:bodyPr/>
-          <a:lstStyle/>
+          <a:bodyPr>
+            <a:normAutofit lnSpcReduction="10000"/>
+          </a:bodyPr>
+          <a:lstStyle/>
+          <a:p>
+            <a:r>
+              <a:rPr lang="en-US" dirty="0"/>
+              <a:t>What are Dialogue Systems?</a:t>
+            </a:r>
+          </a:p>
+          <a:p>
+            <a:pPr lvl="1"/>
+            <a:r>
+              <a:rPr lang="en-US" dirty="0"/>
+              <a:t>It is a computer system intended to converse with a human, with a coherent structure. Dialog systems have employed text, speech, graphics, haptics, gestures and other modes for communication on both the input and output channel.</a:t>
+            </a:r>
+            <a:endParaRPr lang="en-US" dirty="0"/>
+          </a:p>
+          <a:p>
+            <a:endParaRPr lang="en-US" dirty="0"/>
+          </a:p>
+          <a:p>
+            <a:r>
+              <a:rPr lang="en-US" dirty="0"/>
+              <a:t>What are </a:t>
+            </a:r>
+            <a:r>
+              <a:rPr lang="en-US" b="1" dirty="0"/>
+              <a:t>Goal-Oriented Dialogue Systems</a:t>
+            </a:r>
+            <a:r>
+              <a:rPr lang="en-US" dirty="0"/>
+              <a:t>?</a:t>
+            </a:r>
+          </a:p>
+          <a:p>
+            <a:pPr lvl="1"/>
+            <a:r>
+              <a:rPr lang="en-US" dirty="0"/>
+              <a:t>When dialogue systems are build to solve a particular problem and are specific to a domain.</a:t>
+            </a:r>
+          </a:p>
+          <a:p>
+            <a:pPr lvl="1"/>
+            <a:r>
+              <a:rPr lang="en-US" dirty="0"/>
+              <a:t>E.g. </a:t>
+            </a:r>
+          </a:p>
+          <a:p>
+            <a:pPr lvl="2"/>
+            <a:r>
+              <a:rPr lang="en-US" dirty="0"/>
+              <a:t>Restaurant table booking chatbot, </a:t>
+            </a:r>
+          </a:p>
+          <a:p>
+            <a:pPr lvl="2"/>
+            <a:r>
+              <a:rPr lang="en-US" dirty="0"/>
+              <a:t>Movie booking chatbot</a:t>
+            </a:r>
+          </a:p>
           <a:p>
             <a:endParaRPr lang="en-US" dirty="0"/>
           </a:p>
@@ -6250,6 +7249,17 @@
             </a:r>
           </a:p>
           <a:p>
+            <a:pPr lvl="1">
+              <a:lnSpc>
+                <a:spcPct val="200000"/>
+              </a:lnSpc>
+            </a:pPr>
+            <a:r>
+              <a:rPr lang="en-US" dirty="0"/>
+              <a:t>Goal: Movie booking dialogue system</a:t>
+            </a:r>
+          </a:p>
+          <a:p>
             <a:pPr>
               <a:lnSpc>
                 <a:spcPct val="200000"/>
@@ -6259,6 +7269,25 @@
               <a:rPr lang="en-US" dirty="0"/>
               <a:t>Learning End-To-End Goal-Oriented Dialog [30 Mar 2017]</a:t>
             </a:r>
+          </a:p>
+          <a:p>
+            <a:pPr lvl="1">
+              <a:lnSpc>
+                <a:spcPct val="200000"/>
+              </a:lnSpc>
+            </a:pPr>
+            <a:r>
+              <a:rPr lang="en-US" dirty="0"/>
+              <a:t>Goal: Restaurant booking dialogue system</a:t>
+            </a:r>
+          </a:p>
+          <a:p>
+            <a:pPr>
+              <a:lnSpc>
+                <a:spcPct val="200000"/>
+              </a:lnSpc>
+            </a:pPr>
+            <a:endParaRPr lang="en-US" dirty="0"/>
           </a:p>
         </p:txBody>
       </p:sp>
@@ -6311,7 +7340,6 @@
               <a:rPr lang="en-US" dirty="0"/>
               <a:t>End-to-End Task-Completion Neural Dialogue Systems</a:t>
             </a:r>
-            <a:endParaRPr lang="en-US" dirty="0"/>
           </a:p>
         </p:txBody>
       </p:sp>
@@ -6330,14 +7358,137 @@
           <a:bodyPr/>
           <a:lstStyle/>
           <a:p>
-            <a:endParaRPr lang="en-US" dirty="0"/>
-          </a:p>
-        </p:txBody>
-      </p:sp>
+            <a:r>
+              <a:rPr lang="en-US" b="1" dirty="0"/>
+              <a:t>Overview</a:t>
+            </a:r>
+            <a:r>
+              <a:rPr lang="en-US" dirty="0"/>
+              <a:t>: </a:t>
+            </a:r>
+          </a:p>
+          <a:p>
+            <a:r>
+              <a:rPr lang="en-US" dirty="0"/>
+              <a:t>Presents a task oriented Dialog system to book movie tickets</a:t>
+            </a:r>
+          </a:p>
+          <a:p>
+            <a:r>
+              <a:rPr lang="en-US" dirty="0"/>
+              <a:t>The system interacts with the database and the users for </a:t>
+            </a:r>
+          </a:p>
+          <a:p>
+            <a:pPr marL="0" indent="0">
+              <a:buNone/>
+            </a:pPr>
+            <a:r>
+              <a:rPr lang="en-US" dirty="0"/>
+              <a:t>     helping them access information about a particular task. </a:t>
+            </a:r>
+          </a:p>
+          <a:p>
+            <a:r>
+              <a:rPr lang="en-US" b="1" dirty="0"/>
+              <a:t>Dataset</a:t>
+            </a:r>
+            <a:r>
+              <a:rPr lang="en-US" dirty="0"/>
+              <a:t> : </a:t>
+            </a:r>
+          </a:p>
+          <a:p>
+            <a:r>
+              <a:rPr lang="en-US" dirty="0"/>
+              <a:t>The knowledge-base is drawn from the IMDB dataset</a:t>
+            </a:r>
+          </a:p>
+          <a:p>
+            <a:r>
+              <a:rPr lang="en-US" dirty="0"/>
+              <a:t>The dataset has 11 intents and 29 slots </a:t>
+            </a:r>
+          </a:p>
+          <a:p>
+            <a:r>
+              <a:rPr lang="en-US" dirty="0"/>
+              <a:t>Intents : request, inform, </a:t>
+            </a:r>
+            <a:r>
+              <a:rPr lang="en-US" dirty="0" err="1"/>
+              <a:t>confirm_question</a:t>
+            </a:r>
+            <a:r>
+              <a:rPr lang="en-US" dirty="0"/>
+              <a:t>, </a:t>
+            </a:r>
+            <a:r>
+              <a:rPr lang="en-US" dirty="0" err="1"/>
+              <a:t>confirm_answer</a:t>
+            </a:r>
+            <a:endParaRPr lang="en-US" dirty="0"/>
+          </a:p>
+          <a:p>
+            <a:r>
+              <a:rPr lang="en-US" dirty="0"/>
+              <a:t>Slots : </a:t>
+            </a:r>
+            <a:r>
+              <a:rPr lang="en-US" dirty="0" err="1"/>
+              <a:t>actor,actress</a:t>
+            </a:r>
+            <a:r>
+              <a:rPr lang="en-US" dirty="0"/>
+              <a:t>, </a:t>
+            </a:r>
+            <a:r>
+              <a:rPr lang="en-US" dirty="0" err="1"/>
+              <a:t>moviename</a:t>
+            </a:r>
+            <a:r>
+              <a:rPr lang="en-US" dirty="0"/>
+              <a:t>, </a:t>
+            </a:r>
+            <a:r>
+              <a:rPr lang="en-US" dirty="0" err="1"/>
+              <a:t>critic_rating</a:t>
+            </a:r>
+            <a:endParaRPr lang="en-US" dirty="0"/>
+          </a:p>
+          <a:p>
+            <a:endParaRPr lang="en-US" dirty="0"/>
+          </a:p>
+        </p:txBody>
+      </p:sp>
+      <p:pic>
+        <p:nvPicPr>
+          <p:cNvPr id="5" name="Picture 4"/>
+          <p:cNvPicPr>
+            <a:picLocks noChangeAspect="1"/>
+          </p:cNvPicPr>
+          <p:nvPr/>
+        </p:nvPicPr>
+        <p:blipFill>
+          <a:blip r:embed="rId2"/>
+          <a:stretch>
+            <a:fillRect/>
+          </a:stretch>
+        </p:blipFill>
+        <p:spPr>
+          <a:xfrm>
+            <a:off x="8976575" y="2646324"/>
+            <a:ext cx="2916460" cy="3946987"/>
+          </a:xfrm>
+          <a:prstGeom prst="rect">
+            <a:avLst/>
+          </a:prstGeom>
+        </p:spPr>
+      </p:pic>
     </p:spTree>
     <p:extLst>
       <p:ext uri="{BB962C8B-B14F-4D97-AF65-F5344CB8AC3E}">
-        <p14:creationId xmlns:p14="http://schemas.microsoft.com/office/powerpoint/2010/main" val="1414070240"/>
+        <p14:creationId xmlns:p14="http://schemas.microsoft.com/office/powerpoint/2010/main" val="955531908"/>
       </p:ext>
     </p:extLst>
   </p:cSld>
@@ -6381,9 +7532,8 @@
           <a:p>
             <a:r>
               <a:rPr lang="en-US" dirty="0"/>
-              <a:t>A User Simulator for Task-Completion Dialogues</a:t>
-            </a:r>
-            <a:endParaRPr lang="en-US" dirty="0"/>
+              <a:t>End-to-End Task-Completion Neural Dialogue Systems</a:t>
+            </a:r>
           </a:p>
         </p:txBody>
       </p:sp>
@@ -6404,15 +7554,57 @@
           <a:p>
             <a:r>
               <a:rPr lang="en-US" dirty="0"/>
-              <a:t>(Screenshots of output of user simulator)</a:t>
-            </a:r>
-          </a:p>
-        </p:txBody>
-      </p:sp>
+              <a:t>Architecture</a:t>
+            </a:r>
+          </a:p>
+          <a:p>
+            <a:endParaRPr lang="en-US" dirty="0"/>
+          </a:p>
+          <a:p>
+            <a:endParaRPr lang="en-US" dirty="0"/>
+          </a:p>
+          <a:p>
+            <a:endParaRPr lang="en-US" dirty="0"/>
+          </a:p>
+          <a:p>
+            <a:endParaRPr lang="en-US" dirty="0"/>
+          </a:p>
+          <a:p>
+            <a:endParaRPr lang="en-US" dirty="0"/>
+          </a:p>
+          <a:p>
+            <a:endParaRPr lang="en-US" dirty="0"/>
+          </a:p>
+        </p:txBody>
+      </p:sp>
+      <p:pic>
+        <p:nvPicPr>
+          <p:cNvPr id="4" name="Picture 3"/>
+          <p:cNvPicPr>
+            <a:picLocks noChangeAspect="1"/>
+          </p:cNvPicPr>
+          <p:nvPr/>
+        </p:nvPicPr>
+        <p:blipFill>
+          <a:blip r:embed="rId2"/>
+          <a:stretch>
+            <a:fillRect/>
+          </a:stretch>
+        </p:blipFill>
+        <p:spPr>
+          <a:xfrm>
+            <a:off x="2331584" y="2629476"/>
+            <a:ext cx="7925322" cy="3516799"/>
+          </a:xfrm>
+          <a:prstGeom prst="rect">
+            <a:avLst/>
+          </a:prstGeom>
+        </p:spPr>
+      </p:pic>
     </p:spTree>
     <p:extLst>
       <p:ext uri="{BB962C8B-B14F-4D97-AF65-F5344CB8AC3E}">
-        <p14:creationId xmlns:p14="http://schemas.microsoft.com/office/powerpoint/2010/main" val="3917431671"/>
+        <p14:creationId xmlns:p14="http://schemas.microsoft.com/office/powerpoint/2010/main" val="1414070240"/>
       </p:ext>
     </p:extLst>
   </p:cSld>
@@ -6449,21 +7641,26 @@
             <p:ph type="title"/>
           </p:nvPr>
         </p:nvSpPr>
-        <p:spPr/>
-        <p:txBody>
-          <a:bodyPr/>
-          <a:lstStyle/>
-          <a:p>
-            <a:r>
-              <a:rPr lang="en-US" dirty="0"/>
-              <a:t>Challenges:</a:t>
-            </a:r>
-          </a:p>
-        </p:txBody>
-      </p:sp>
-      <p:sp>
-        <p:nvSpPr>
-          <p:cNvPr id="3" name="Content Placeholder 2"/>
+        <p:spPr>
+          <a:xfrm>
+            <a:off x="646111" y="452718"/>
+            <a:ext cx="9404723" cy="912443"/>
+          </a:xfrm>
+        </p:spPr>
+        <p:txBody>
+          <a:bodyPr/>
+          <a:lstStyle/>
+          <a:p>
+            <a:r>
+              <a:rPr lang="en-US" dirty="0"/>
+              <a:t>Components</a:t>
+            </a:r>
+          </a:p>
+        </p:txBody>
+      </p:sp>
+      <p:sp>
+        <p:nvSpPr>
+          <p:cNvPr id="5" name="Content Placeholder 4"/>
           <p:cNvSpPr>
             <a:spLocks noGrp="1"/>
           </p:cNvSpPr>
@@ -6471,60 +7668,130 @@
             <p:ph idx="1"/>
           </p:nvPr>
         </p:nvSpPr>
-        <p:spPr/>
-        <p:txBody>
-          <a:bodyPr/>
-          <a:lstStyle/>
-          <a:p>
-            <a:pPr>
-              <a:lnSpc>
-                <a:spcPct val="200000"/>
-              </a:lnSpc>
+        <p:spPr>
+          <a:xfrm>
+            <a:off x="646112" y="1365162"/>
+            <a:ext cx="9403742" cy="4883238"/>
+          </a:xfrm>
+        </p:spPr>
+        <p:txBody>
+          <a:bodyPr/>
+          <a:lstStyle/>
+          <a:p>
+            <a:r>
+              <a:rPr lang="en-US" b="1" dirty="0"/>
+              <a:t>User Simulator:</a:t>
+            </a:r>
+          </a:p>
+          <a:p>
+            <a:r>
+              <a:rPr lang="en-US" dirty="0"/>
+              <a:t>The main purpose of the user simulator is to generate a user goal</a:t>
+            </a:r>
+          </a:p>
+          <a:p>
+            <a:r>
+              <a:rPr lang="en-US" dirty="0"/>
+              <a:t>The user goal consists of </a:t>
+            </a:r>
+            <a:r>
+              <a:rPr lang="en-US" i="1" dirty="0"/>
+              <a:t>inform_slots </a:t>
+            </a:r>
+            <a:r>
+              <a:rPr lang="en-US" dirty="0"/>
+              <a:t>and </a:t>
+            </a:r>
+            <a:r>
+              <a:rPr lang="en-US" i="1" dirty="0" err="1"/>
+              <a:t>request_slots</a:t>
+            </a:r>
+            <a:endParaRPr lang="en-US" i="1" dirty="0"/>
+          </a:p>
+          <a:p>
+            <a:r>
+              <a:rPr lang="en-US" dirty="0"/>
+              <a:t>The user simulator takes all the available actions an slots from the </a:t>
+            </a:r>
+          </a:p>
+          <a:p>
+            <a:pPr marL="0" indent="0">
+              <a:buNone/>
             </a:pPr>
             <a:r>
               <a:rPr lang="en-US" dirty="0"/>
-              <a:t>Only Python 2.7 compatible.</a:t>
-            </a:r>
-          </a:p>
-          <a:p>
-            <a:pPr>
-              <a:lnSpc>
-                <a:spcPct val="200000"/>
-              </a:lnSpc>
+              <a:t>     dialog </a:t>
+            </a:r>
+            <a:r>
+              <a:rPr lang="en-US" dirty="0" err="1"/>
+              <a:t>config</a:t>
+            </a:r>
+            <a:r>
+              <a:rPr lang="en-US" dirty="0"/>
+              <a:t> file </a:t>
+            </a:r>
+          </a:p>
+          <a:p>
+            <a:r>
+              <a:rPr lang="en-US" dirty="0"/>
+              <a:t>It generates a system action and based on the system action, it</a:t>
+            </a:r>
+          </a:p>
+          <a:p>
+            <a:pPr marL="0" indent="0">
+              <a:buNone/>
             </a:pPr>
             <a:r>
-              <a:rPr lang="en-US" dirty="0"/>
-              <a:t>There is no framework. It is written in pure Python.</a:t>
-            </a:r>
-          </a:p>
-          <a:p>
-            <a:pPr>
-              <a:lnSpc>
-                <a:spcPct val="200000"/>
-              </a:lnSpc>
+              <a:rPr lang="en-US" i="1" dirty="0"/>
+              <a:t>     </a:t>
+            </a:r>
+            <a:r>
+              <a:rPr lang="en-US" dirty="0"/>
+              <a:t>places the values in the respective slots.</a:t>
+            </a:r>
+          </a:p>
+          <a:p>
+            <a:pPr marL="0" indent="0">
+              <a:buNone/>
             </a:pPr>
-            <a:r>
-              <a:rPr lang="en-US" dirty="0"/>
-              <a:t>Not trained on large dataset.</a:t>
-            </a:r>
-          </a:p>
-          <a:p>
-            <a:pPr>
-              <a:lnSpc>
-                <a:spcPct val="200000"/>
-              </a:lnSpc>
+            <a:endParaRPr lang="en-US" dirty="0"/>
+          </a:p>
+          <a:p>
+            <a:pPr marL="0" indent="0">
+              <a:buNone/>
             </a:pPr>
-            <a:r>
-              <a:rPr lang="en-US" dirty="0"/>
-              <a:t>It is very specific to the dataset it is trained on.</a:t>
-            </a:r>
-          </a:p>
-        </p:txBody>
-      </p:sp>
+            <a:endParaRPr lang="en-US" dirty="0"/>
+          </a:p>
+        </p:txBody>
+      </p:sp>
+      <p:pic>
+        <p:nvPicPr>
+          <p:cNvPr id="7" name="Picture 6"/>
+          <p:cNvPicPr>
+            <a:picLocks noChangeAspect="1"/>
+          </p:cNvPicPr>
+          <p:nvPr/>
+        </p:nvPicPr>
+        <p:blipFill>
+          <a:blip r:embed="rId2"/>
+          <a:stretch>
+            <a:fillRect/>
+          </a:stretch>
+        </p:blipFill>
+        <p:spPr>
+          <a:xfrm>
+            <a:off x="9210572" y="1835106"/>
+            <a:ext cx="2667000" cy="3943350"/>
+          </a:xfrm>
+          <a:prstGeom prst="rect">
+            <a:avLst/>
+          </a:prstGeom>
+        </p:spPr>
+      </p:pic>
     </p:spTree>
     <p:extLst>
       <p:ext uri="{BB962C8B-B14F-4D97-AF65-F5344CB8AC3E}">
-        <p14:creationId xmlns:p14="http://schemas.microsoft.com/office/powerpoint/2010/main" val="416189476"/>
+        <p14:creationId xmlns:p14="http://schemas.microsoft.com/office/powerpoint/2010/main" val="2615982127"/>
       </p:ext>
     </p:extLst>
   </p:cSld>
@@ -6553,92 +7820,74 @@
       </p:grpSpPr>
       <p:sp>
         <p:nvSpPr>
-          <p:cNvPr id="9" name="Rectangle 8"/>
-          <p:cNvSpPr>
-            <a:spLocks noGrp="1" noRot="1" noChangeAspect="1" noMove="1" noResize="1" noEditPoints="1" noAdjustHandles="1" noChangeArrowheads="1" noChangeShapeType="1" noTextEdit="1"/>
-          </p:cNvSpPr>
-          <p:nvPr>
-            <p:extLst>
-              <p:ext uri="{386F3935-93C4-4BCD-93E2-E3B085C9AB24}">
-                <p16:designElem xmlns:p16="http://schemas.microsoft.com/office/powerpoint/2015/main" val="1"/>
-              </p:ext>
-            </p:extLst>
+          <p:cNvPr id="2" name="Title 1"/>
+          <p:cNvSpPr>
+            <a:spLocks noGrp="1"/>
+          </p:cNvSpPr>
+          <p:nvPr>
+            <p:ph type="title"/>
           </p:nvPr>
         </p:nvSpPr>
         <p:spPr>
           <a:xfrm>
-            <a:off x="10437812" y="0"/>
-            <a:ext cx="685800" cy="1143000"/>
-          </a:xfrm>
-          <a:prstGeom prst="rect">
-            <a:avLst/>
-          </a:prstGeom>
-          <a:solidFill>
-            <a:schemeClr val="accent1"/>
-          </a:solidFill>
-          <a:ln>
-            <a:noFill/>
-          </a:ln>
-        </p:spPr>
-        <p:style>
-          <a:lnRef idx="1">
-            <a:schemeClr val="accent1"/>
-          </a:lnRef>
-          <a:fillRef idx="3">
-            <a:schemeClr val="accent1"/>
-          </a:fillRef>
-          <a:effectRef idx="2">
-            <a:schemeClr val="accent1"/>
-          </a:effectRef>
-          <a:fontRef idx="minor">
-            <a:schemeClr val="lt1"/>
-          </a:fontRef>
-        </p:style>
-      </p:sp>
-      <p:sp>
-        <p:nvSpPr>
-          <p:cNvPr id="2" name="Title 1"/>
-          <p:cNvSpPr>
-            <a:spLocks noGrp="1"/>
-          </p:cNvSpPr>
-          <p:nvPr>
-            <p:ph type="title"/>
+            <a:off x="646111" y="452718"/>
+            <a:ext cx="9404723" cy="925321"/>
+          </a:xfrm>
+        </p:spPr>
+        <p:txBody>
+          <a:bodyPr/>
+          <a:lstStyle/>
+          <a:p>
+            <a:r>
+              <a:rPr lang="en-US" dirty="0"/>
+              <a:t>Components :</a:t>
+            </a:r>
+          </a:p>
+        </p:txBody>
+      </p:sp>
+      <p:sp>
+        <p:nvSpPr>
+          <p:cNvPr id="3" name="Content Placeholder 2"/>
+          <p:cNvSpPr>
+            <a:spLocks noGrp="1"/>
+          </p:cNvSpPr>
+          <p:nvPr>
+            <p:ph idx="1"/>
           </p:nvPr>
         </p:nvSpPr>
         <p:spPr>
           <a:xfrm>
-            <a:off x="622169" y="1762811"/>
-            <a:ext cx="3000610" cy="3844931"/>
-          </a:xfrm>
-        </p:spPr>
-        <p:txBody>
-          <a:bodyPr>
-            <a:normAutofit/>
-          </a:bodyPr>
-          <a:lstStyle/>
-          <a:p>
-            <a:pPr>
-              <a:lnSpc>
-                <a:spcPct val="150000"/>
-              </a:lnSpc>
-            </a:pPr>
-            <a:r>
-              <a:rPr lang="en-US" sz="2900" dirty="0"/>
-              <a:t>Learning </a:t>
-            </a:r>
-            <a:br>
-              <a:rPr lang="en-US" sz="2900" dirty="0"/>
-            </a:br>
-            <a:r>
-              <a:rPr lang="en-US" sz="2900" dirty="0"/>
-              <a:t>End-To-End </a:t>
-            </a:r>
-            <a:br>
-              <a:rPr lang="en-US" sz="2900" dirty="0"/>
-            </a:br>
-            <a:r>
-              <a:rPr lang="en-US" sz="2900" dirty="0"/>
-              <a:t>Goal-Oriented Dialog</a:t>
+            <a:off x="759854" y="1378040"/>
+            <a:ext cx="9289999" cy="4870360"/>
+          </a:xfrm>
+        </p:spPr>
+        <p:txBody>
+          <a:bodyPr/>
+          <a:lstStyle/>
+          <a:p>
+            <a:r>
+              <a:rPr lang="en-US" b="1" dirty="0"/>
+              <a:t>Natural Language Generator:</a:t>
+            </a:r>
+          </a:p>
+          <a:p>
+            <a:r>
+              <a:rPr lang="en-US" dirty="0"/>
+              <a:t>With the help of the user dialogue actions, NLG module generates natural language texts. </a:t>
+            </a:r>
+          </a:p>
+          <a:p>
+            <a:r>
+              <a:rPr lang="en-US" dirty="0"/>
+              <a:t>It uses the </a:t>
+            </a:r>
+            <a:r>
+              <a:rPr lang="en-US" dirty="0" err="1"/>
+              <a:t>lstm</a:t>
+            </a:r>
+            <a:r>
+              <a:rPr lang="en-US" dirty="0"/>
+              <a:t> decoder to generate template-like sentences with slot placeholders. </a:t>
             </a:r>
           </a:p>
         </p:txBody>
@@ -6651,15 +7900,16 @@
           </p:cNvPicPr>
           <p:nvPr/>
         </p:nvPicPr>
-        <p:blipFill rotWithShape="1">
+        <p:blipFill>
           <a:blip r:embed="rId2"/>
-          <a:srcRect r="-2" b="4006"/>
-          <a:stretch/>
+          <a:stretch>
+            <a:fillRect/>
+          </a:stretch>
         </p:blipFill>
         <p:spPr>
           <a:xfrm>
-            <a:off x="3817855" y="73986"/>
-            <a:ext cx="8298729" cy="6730496"/>
+            <a:off x="2867494" y="3813220"/>
+            <a:ext cx="4010025" cy="2524125"/>
           </a:xfrm>
           <a:prstGeom prst="rect">
             <a:avLst/>
@@ -6669,7 +7919,7 @@
     </p:spTree>
     <p:extLst>
       <p:ext uri="{BB962C8B-B14F-4D97-AF65-F5344CB8AC3E}">
-        <p14:creationId xmlns:p14="http://schemas.microsoft.com/office/powerpoint/2010/main" val="3269184702"/>
+        <p14:creationId xmlns:p14="http://schemas.microsoft.com/office/powerpoint/2010/main" val="217628046"/>
       </p:ext>
     </p:extLst>
   </p:cSld>
@@ -6713,7 +7963,7 @@
           <a:p>
             <a:r>
               <a:rPr lang="en-US" dirty="0"/>
-              <a:t>Dataset</a:t>
+              <a:t>Components</a:t>
             </a:r>
           </a:p>
         </p:txBody>
@@ -6728,71 +7978,182 @@
             <p:ph idx="1"/>
           </p:nvPr>
         </p:nvSpPr>
+        <p:spPr/>
+        <p:txBody>
+          <a:bodyPr/>
+          <a:lstStyle/>
+          <a:p>
+            <a:r>
+              <a:rPr lang="en-US" b="1" dirty="0"/>
+              <a:t>Language Understanding:</a:t>
+            </a:r>
+          </a:p>
+          <a:p>
+            <a:r>
+              <a:rPr lang="en-US" dirty="0"/>
+              <a:t>The NLU model is used for intent prediction and slot filling.</a:t>
+            </a:r>
+          </a:p>
+          <a:p>
+            <a:r>
+              <a:rPr lang="en-US" dirty="0"/>
+              <a:t>Intent prediction is carried out with the help of LSTM decoder </a:t>
+            </a:r>
+          </a:p>
+          <a:p>
+            <a:r>
+              <a:rPr lang="en-US" dirty="0"/>
+              <a:t>Using the trained model, the NLU converts the dialog acts into the IOB format</a:t>
+            </a:r>
+          </a:p>
+          <a:p>
+            <a:endParaRPr lang="en-US" dirty="0"/>
+          </a:p>
+        </p:txBody>
+      </p:sp>
+      <p:pic>
+        <p:nvPicPr>
+          <p:cNvPr id="4" name="Picture 3"/>
+          <p:cNvPicPr>
+            <a:picLocks noChangeAspect="1"/>
+          </p:cNvPicPr>
+          <p:nvPr/>
+        </p:nvPicPr>
+        <p:blipFill>
+          <a:blip r:embed="rId2"/>
+          <a:stretch>
+            <a:fillRect/>
+          </a:stretch>
+        </p:blipFill>
         <p:spPr>
           <a:xfrm>
-            <a:off x="1103312" y="1649692"/>
-            <a:ext cx="8946541" cy="4598708"/>
-          </a:xfrm>
-        </p:spPr>
-        <p:txBody>
-          <a:bodyPr/>
-          <a:lstStyle/>
-          <a:p>
-            <a:pPr>
-              <a:lnSpc>
-                <a:spcPct val="150000"/>
-              </a:lnSpc>
-            </a:pPr>
-            <a:r>
-              <a:rPr lang="en-US" dirty="0"/>
-              <a:t>(6) dialog bAbI tasks</a:t>
-            </a:r>
-          </a:p>
-          <a:p>
-            <a:pPr>
-              <a:lnSpc>
-                <a:spcPct val="150000"/>
-              </a:lnSpc>
-            </a:pPr>
-            <a:r>
-              <a:rPr lang="en-US" dirty="0"/>
-              <a:t>It is a set of 6 tasks for testing end-to-end dialog systems in the restaurant domain</a:t>
-            </a:r>
-          </a:p>
-          <a:p>
-            <a:pPr>
-              <a:lnSpc>
-                <a:spcPct val="150000"/>
-              </a:lnSpc>
-            </a:pPr>
-            <a:r>
-              <a:rPr lang="en-US" dirty="0"/>
-              <a:t>Each task tests a unique aspect of dialog.</a:t>
-            </a:r>
-          </a:p>
-          <a:p>
-            <a:pPr>
-              <a:lnSpc>
-                <a:spcPct val="150000"/>
-              </a:lnSpc>
-            </a:pPr>
-            <a:r>
-              <a:rPr lang="en-US" dirty="0"/>
-              <a:t>For each task, there are 1000 dialogs for training, 1000 for development and 1000 for testing</a:t>
-            </a:r>
-          </a:p>
-          <a:p>
-            <a:endParaRPr lang="en-US" dirty="0"/>
-          </a:p>
-          <a:p>
-            <a:endParaRPr lang="en-US" dirty="0"/>
-          </a:p>
-        </p:txBody>
-      </p:sp>
+            <a:off x="3379161" y="4699648"/>
+            <a:ext cx="4116343" cy="851146"/>
+          </a:xfrm>
+          <a:prstGeom prst="rect">
+            <a:avLst/>
+          </a:prstGeom>
+        </p:spPr>
+      </p:pic>
     </p:spTree>
     <p:extLst>
       <p:ext uri="{BB962C8B-B14F-4D97-AF65-F5344CB8AC3E}">
-        <p14:creationId xmlns:p14="http://schemas.microsoft.com/office/powerpoint/2010/main" val="2929525154"/>
+        <p14:creationId xmlns:p14="http://schemas.microsoft.com/office/powerpoint/2010/main" val="1815400907"/>
+      </p:ext>
+    </p:extLst>
+  </p:cSld>
+  <p:clrMapOvr>
+    <a:masterClrMapping/>
+  </p:clrMapOvr>
+</p:sld>
+</file>
+
+<file path=ppt/slides/slide9.xml><?xml version="1.0" encoding="utf-8"?>
+<p:sld xmlns:a="http://schemas.openxmlformats.org/drawingml/2006/main" xmlns:r="http://schemas.openxmlformats.org/officeDocument/2006/relationships" xmlns:p="http://schemas.openxmlformats.org/presentationml/2006/main">
+  <p:cSld>
+    <p:spTree>
+      <p:nvGrpSpPr>
+        <p:cNvPr id="1" name=""/>
+        <p:cNvGrpSpPr/>
+        <p:nvPr/>
+      </p:nvGrpSpPr>
+      <p:grpSpPr>
+        <a:xfrm>
+          <a:off x="0" y="0"/>
+          <a:ext cx="0" cy="0"/>
+          <a:chOff x="0" y="0"/>
+          <a:chExt cx="0" cy="0"/>
+        </a:xfrm>
+      </p:grpSpPr>
+      <p:sp>
+        <p:nvSpPr>
+          <p:cNvPr id="2" name="Title 1"/>
+          <p:cNvSpPr>
+            <a:spLocks noGrp="1"/>
+          </p:cNvSpPr>
+          <p:nvPr>
+            <p:ph type="title"/>
+          </p:nvPr>
+        </p:nvSpPr>
+        <p:spPr/>
+        <p:txBody>
+          <a:bodyPr/>
+          <a:lstStyle/>
+          <a:p>
+            <a:r>
+              <a:rPr lang="en-US" dirty="0"/>
+              <a:t>Components </a:t>
+            </a:r>
+          </a:p>
+        </p:txBody>
+      </p:sp>
+      <p:sp>
+        <p:nvSpPr>
+          <p:cNvPr id="3" name="Content Placeholder 2"/>
+          <p:cNvSpPr>
+            <a:spLocks noGrp="1"/>
+          </p:cNvSpPr>
+          <p:nvPr>
+            <p:ph idx="1"/>
+          </p:nvPr>
+        </p:nvSpPr>
+        <p:spPr>
+          <a:xfrm>
+            <a:off x="553792" y="1416676"/>
+            <a:ext cx="9496061" cy="4831723"/>
+          </a:xfrm>
+        </p:spPr>
+        <p:txBody>
+          <a:bodyPr/>
+          <a:lstStyle/>
+          <a:p>
+            <a:r>
+              <a:rPr lang="en-US" b="1" dirty="0"/>
+              <a:t>Dialog Manager:</a:t>
+            </a:r>
+          </a:p>
+          <a:p>
+            <a:r>
+              <a:rPr lang="en-US" dirty="0"/>
+              <a:t>The primary use of the dialog manager is to update the state tracker </a:t>
+            </a:r>
+          </a:p>
+          <a:p>
+            <a:r>
+              <a:rPr lang="en-US" dirty="0"/>
+              <a:t>The output from the LU module is passed into the dialog manager which interacts with the database </a:t>
+            </a:r>
+          </a:p>
+          <a:p>
+            <a:r>
+              <a:rPr lang="en-US" dirty="0"/>
+              <a:t>The state tracker will be updated based on the available result and the latest user dialog action. </a:t>
+            </a:r>
+          </a:p>
+          <a:p>
+            <a:r>
+              <a:rPr lang="en-US" dirty="0"/>
+              <a:t>Based on the state tracker, a policy is generated for the next available system action. </a:t>
+            </a:r>
+          </a:p>
+          <a:p>
+            <a:r>
+              <a:rPr lang="en-US" dirty="0"/>
+              <a:t>Reinforcement learning is applied to the dialog manager where it is trained using the deep Q network.</a:t>
+            </a:r>
+          </a:p>
+          <a:p>
+            <a:r>
+              <a:rPr lang="en-US" dirty="0"/>
+              <a:t>The deep Q network takes the input as the state tracker and gives the Q value for all the possible actions available. </a:t>
+            </a:r>
+          </a:p>
+        </p:txBody>
+      </p:sp>
+    </p:spTree>
+    <p:extLst>
+      <p:ext uri="{BB962C8B-B14F-4D97-AF65-F5344CB8AC3E}">
+        <p14:creationId xmlns:p14="http://schemas.microsoft.com/office/powerpoint/2010/main" val="901279552"/>
       </p:ext>
     </p:extLst>
   </p:cSld>
